--- a/songbook/020 - Youngblud - Zombie.pptx
+++ b/songbook/020 - Youngblud - Zombie.pptx
@@ -154,7 +154,7 @@
           </a:lstStyle>
           <a:p>
             <a:r>
-              <a:rPr lang="en-US" smtClean="0"/>
+              <a:rPr lang="en-US"/>
               <a:t>Click to edit Master title style</a:t>
             </a:r>
             <a:endParaRPr lang="en-US" dirty="0"/>
@@ -219,7 +219,7 @@
           </a:lstStyle>
           <a:p>
             <a:r>
-              <a:rPr lang="en-US" smtClean="0"/>
+              <a:rPr lang="en-US"/>
               <a:t>Click to edit Master subtitle style</a:t>
             </a:r>
             <a:endParaRPr lang="en-US" dirty="0"/>
@@ -337,7 +337,7 @@
           <a:lstStyle/>
           <a:p>
             <a:r>
-              <a:rPr lang="en-US" smtClean="0"/>
+              <a:rPr lang="en-US"/>
               <a:t>Click to edit Master title style</a:t>
             </a:r>
             <a:endParaRPr lang="en-US" dirty="0"/>
@@ -361,35 +361,35 @@
           <a:p>
             <a:pPr lvl="0"/>
             <a:r>
-              <a:rPr lang="en-US" smtClean="0"/>
+              <a:rPr lang="en-US"/>
               <a:t>Edit Master text styles</a:t>
             </a:r>
           </a:p>
           <a:p>
             <a:pPr lvl="1"/>
             <a:r>
-              <a:rPr lang="en-US" smtClean="0"/>
+              <a:rPr lang="en-US"/>
               <a:t>Second level</a:t>
             </a:r>
           </a:p>
           <a:p>
             <a:pPr lvl="2"/>
             <a:r>
-              <a:rPr lang="en-US" smtClean="0"/>
+              <a:rPr lang="en-US"/>
               <a:t>Third level</a:t>
             </a:r>
           </a:p>
           <a:p>
             <a:pPr lvl="3"/>
             <a:r>
-              <a:rPr lang="en-US" smtClean="0"/>
+              <a:rPr lang="en-US"/>
               <a:t>Fourth level</a:t>
             </a:r>
           </a:p>
           <a:p>
             <a:pPr lvl="4"/>
             <a:r>
-              <a:rPr lang="en-US" smtClean="0"/>
+              <a:rPr lang="en-US"/>
               <a:t>Fifth level</a:t>
             </a:r>
             <a:endParaRPr lang="en-US" dirty="0"/>
@@ -512,7 +512,7 @@
           <a:lstStyle/>
           <a:p>
             <a:r>
-              <a:rPr lang="en-US" smtClean="0"/>
+              <a:rPr lang="en-US"/>
               <a:t>Click to edit Master title style</a:t>
             </a:r>
             <a:endParaRPr lang="en-US" dirty="0"/>
@@ -541,35 +541,35 @@
           <a:p>
             <a:pPr lvl="0"/>
             <a:r>
-              <a:rPr lang="en-US" smtClean="0"/>
+              <a:rPr lang="en-US"/>
               <a:t>Edit Master text styles</a:t>
             </a:r>
           </a:p>
           <a:p>
             <a:pPr lvl="1"/>
             <a:r>
-              <a:rPr lang="en-US" smtClean="0"/>
+              <a:rPr lang="en-US"/>
               <a:t>Second level</a:t>
             </a:r>
           </a:p>
           <a:p>
             <a:pPr lvl="2"/>
             <a:r>
-              <a:rPr lang="en-US" smtClean="0"/>
+              <a:rPr lang="en-US"/>
               <a:t>Third level</a:t>
             </a:r>
           </a:p>
           <a:p>
             <a:pPr lvl="3"/>
             <a:r>
-              <a:rPr lang="en-US" smtClean="0"/>
+              <a:rPr lang="en-US"/>
               <a:t>Fourth level</a:t>
             </a:r>
           </a:p>
           <a:p>
             <a:pPr lvl="4"/>
             <a:r>
-              <a:rPr lang="en-US" smtClean="0"/>
+              <a:rPr lang="en-US"/>
               <a:t>Fifth level</a:t>
             </a:r>
             <a:endParaRPr lang="en-US" dirty="0"/>
@@ -687,7 +687,7 @@
           <a:lstStyle/>
           <a:p>
             <a:r>
-              <a:rPr lang="en-US" smtClean="0"/>
+              <a:rPr lang="en-US"/>
               <a:t>Click to edit Master title style</a:t>
             </a:r>
             <a:endParaRPr lang="en-US" dirty="0"/>
@@ -711,35 +711,35 @@
           <a:p>
             <a:pPr lvl="0"/>
             <a:r>
-              <a:rPr lang="en-US" smtClean="0"/>
+              <a:rPr lang="en-US"/>
               <a:t>Edit Master text styles</a:t>
             </a:r>
           </a:p>
           <a:p>
             <a:pPr lvl="1"/>
             <a:r>
-              <a:rPr lang="en-US" smtClean="0"/>
+              <a:rPr lang="en-US"/>
               <a:t>Second level</a:t>
             </a:r>
           </a:p>
           <a:p>
             <a:pPr lvl="2"/>
             <a:r>
-              <a:rPr lang="en-US" smtClean="0"/>
+              <a:rPr lang="en-US"/>
               <a:t>Third level</a:t>
             </a:r>
           </a:p>
           <a:p>
             <a:pPr lvl="3"/>
             <a:r>
-              <a:rPr lang="en-US" smtClean="0"/>
+              <a:rPr lang="en-US"/>
               <a:t>Fourth level</a:t>
             </a:r>
           </a:p>
           <a:p>
             <a:pPr lvl="4"/>
             <a:r>
-              <a:rPr lang="en-US" smtClean="0"/>
+              <a:rPr lang="en-US"/>
               <a:t>Fifth level</a:t>
             </a:r>
             <a:endParaRPr lang="en-US" dirty="0"/>
@@ -866,7 +866,7 @@
           </a:lstStyle>
           <a:p>
             <a:r>
-              <a:rPr lang="en-US" smtClean="0"/>
+              <a:rPr lang="en-US"/>
               <a:t>Click to edit Master title style</a:t>
             </a:r>
             <a:endParaRPr lang="en-US" dirty="0"/>
@@ -984,7 +984,7 @@
           <a:p>
             <a:pPr lvl="0"/>
             <a:r>
-              <a:rPr lang="en-US" smtClean="0"/>
+              <a:rPr lang="en-US"/>
               <a:t>Edit Master text styles</a:t>
             </a:r>
           </a:p>
@@ -1101,7 +1101,7 @@
           <a:lstStyle/>
           <a:p>
             <a:r>
-              <a:rPr lang="en-US" smtClean="0"/>
+              <a:rPr lang="en-US"/>
               <a:t>Click to edit Master title style</a:t>
             </a:r>
             <a:endParaRPr lang="en-US" dirty="0"/>
@@ -1130,35 +1130,35 @@
           <a:p>
             <a:pPr lvl="0"/>
             <a:r>
-              <a:rPr lang="en-US" smtClean="0"/>
+              <a:rPr lang="en-US"/>
               <a:t>Edit Master text styles</a:t>
             </a:r>
           </a:p>
           <a:p>
             <a:pPr lvl="1"/>
             <a:r>
-              <a:rPr lang="en-US" smtClean="0"/>
+              <a:rPr lang="en-US"/>
               <a:t>Second level</a:t>
             </a:r>
           </a:p>
           <a:p>
             <a:pPr lvl="2"/>
             <a:r>
-              <a:rPr lang="en-US" smtClean="0"/>
+              <a:rPr lang="en-US"/>
               <a:t>Third level</a:t>
             </a:r>
           </a:p>
           <a:p>
             <a:pPr lvl="3"/>
             <a:r>
-              <a:rPr lang="en-US" smtClean="0"/>
+              <a:rPr lang="en-US"/>
               <a:t>Fourth level</a:t>
             </a:r>
           </a:p>
           <a:p>
             <a:pPr lvl="4"/>
             <a:r>
-              <a:rPr lang="en-US" smtClean="0"/>
+              <a:rPr lang="en-US"/>
               <a:t>Fifth level</a:t>
             </a:r>
             <a:endParaRPr lang="en-US" dirty="0"/>
@@ -1187,35 +1187,35 @@
           <a:p>
             <a:pPr lvl="0"/>
             <a:r>
-              <a:rPr lang="en-US" smtClean="0"/>
+              <a:rPr lang="en-US"/>
               <a:t>Edit Master text styles</a:t>
             </a:r>
           </a:p>
           <a:p>
             <a:pPr lvl="1"/>
             <a:r>
-              <a:rPr lang="en-US" smtClean="0"/>
+              <a:rPr lang="en-US"/>
               <a:t>Second level</a:t>
             </a:r>
           </a:p>
           <a:p>
             <a:pPr lvl="2"/>
             <a:r>
-              <a:rPr lang="en-US" smtClean="0"/>
+              <a:rPr lang="en-US"/>
               <a:t>Third level</a:t>
             </a:r>
           </a:p>
           <a:p>
             <a:pPr lvl="3"/>
             <a:r>
-              <a:rPr lang="en-US" smtClean="0"/>
+              <a:rPr lang="en-US"/>
               <a:t>Fourth level</a:t>
             </a:r>
           </a:p>
           <a:p>
             <a:pPr lvl="4"/>
             <a:r>
-              <a:rPr lang="en-US" smtClean="0"/>
+              <a:rPr lang="en-US"/>
               <a:t>Fifth level</a:t>
             </a:r>
             <a:endParaRPr lang="en-US" dirty="0"/>
@@ -1338,7 +1338,7 @@
           <a:lstStyle/>
           <a:p>
             <a:r>
-              <a:rPr lang="en-US" smtClean="0"/>
+              <a:rPr lang="en-US"/>
               <a:t>Click to edit Master title style</a:t>
             </a:r>
             <a:endParaRPr lang="en-US" dirty="0"/>
@@ -1404,7 +1404,7 @@
           <a:p>
             <a:pPr lvl="0"/>
             <a:r>
-              <a:rPr lang="en-US" smtClean="0"/>
+              <a:rPr lang="en-US"/>
               <a:t>Edit Master text styles</a:t>
             </a:r>
           </a:p>
@@ -1432,35 +1432,35 @@
           <a:p>
             <a:pPr lvl="0"/>
             <a:r>
-              <a:rPr lang="en-US" smtClean="0"/>
+              <a:rPr lang="en-US"/>
               <a:t>Edit Master text styles</a:t>
             </a:r>
           </a:p>
           <a:p>
             <a:pPr lvl="1"/>
             <a:r>
-              <a:rPr lang="en-US" smtClean="0"/>
+              <a:rPr lang="en-US"/>
               <a:t>Second level</a:t>
             </a:r>
           </a:p>
           <a:p>
             <a:pPr lvl="2"/>
             <a:r>
-              <a:rPr lang="en-US" smtClean="0"/>
+              <a:rPr lang="en-US"/>
               <a:t>Third level</a:t>
             </a:r>
           </a:p>
           <a:p>
             <a:pPr lvl="3"/>
             <a:r>
-              <a:rPr lang="en-US" smtClean="0"/>
+              <a:rPr lang="en-US"/>
               <a:t>Fourth level</a:t>
             </a:r>
           </a:p>
           <a:p>
             <a:pPr lvl="4"/>
             <a:r>
-              <a:rPr lang="en-US" smtClean="0"/>
+              <a:rPr lang="en-US"/>
               <a:t>Fifth level</a:t>
             </a:r>
             <a:endParaRPr lang="en-US" dirty="0"/>
@@ -1526,7 +1526,7 @@
           <a:p>
             <a:pPr lvl="0"/>
             <a:r>
-              <a:rPr lang="en-US" smtClean="0"/>
+              <a:rPr lang="en-US"/>
               <a:t>Edit Master text styles</a:t>
             </a:r>
           </a:p>
@@ -1554,35 +1554,35 @@
           <a:p>
             <a:pPr lvl="0"/>
             <a:r>
-              <a:rPr lang="en-US" smtClean="0"/>
+              <a:rPr lang="en-US"/>
               <a:t>Edit Master text styles</a:t>
             </a:r>
           </a:p>
           <a:p>
             <a:pPr lvl="1"/>
             <a:r>
-              <a:rPr lang="en-US" smtClean="0"/>
+              <a:rPr lang="en-US"/>
               <a:t>Second level</a:t>
             </a:r>
           </a:p>
           <a:p>
             <a:pPr lvl="2"/>
             <a:r>
-              <a:rPr lang="en-US" smtClean="0"/>
+              <a:rPr lang="en-US"/>
               <a:t>Third level</a:t>
             </a:r>
           </a:p>
           <a:p>
             <a:pPr lvl="3"/>
             <a:r>
-              <a:rPr lang="en-US" smtClean="0"/>
+              <a:rPr lang="en-US"/>
               <a:t>Fourth level</a:t>
             </a:r>
           </a:p>
           <a:p>
             <a:pPr lvl="4"/>
             <a:r>
-              <a:rPr lang="en-US" smtClean="0"/>
+              <a:rPr lang="en-US"/>
               <a:t>Fifth level</a:t>
             </a:r>
             <a:endParaRPr lang="en-US" dirty="0"/>
@@ -1700,7 +1700,7 @@
           <a:lstStyle/>
           <a:p>
             <a:r>
-              <a:rPr lang="en-US" smtClean="0"/>
+              <a:rPr lang="en-US"/>
               <a:t>Click to edit Master title style</a:t>
             </a:r>
             <a:endParaRPr lang="en-US" dirty="0"/>
@@ -1922,7 +1922,7 @@
           </a:lstStyle>
           <a:p>
             <a:r>
-              <a:rPr lang="en-US" smtClean="0"/>
+              <a:rPr lang="en-US"/>
               <a:t>Click to edit Master title style</a:t>
             </a:r>
             <a:endParaRPr lang="en-US" dirty="0"/>
@@ -1979,35 +1979,35 @@
           <a:p>
             <a:pPr lvl="0"/>
             <a:r>
-              <a:rPr lang="en-US" smtClean="0"/>
+              <a:rPr lang="en-US"/>
               <a:t>Edit Master text styles</a:t>
             </a:r>
           </a:p>
           <a:p>
             <a:pPr lvl="1"/>
             <a:r>
-              <a:rPr lang="en-US" smtClean="0"/>
+              <a:rPr lang="en-US"/>
               <a:t>Second level</a:t>
             </a:r>
           </a:p>
           <a:p>
             <a:pPr lvl="2"/>
             <a:r>
-              <a:rPr lang="en-US" smtClean="0"/>
+              <a:rPr lang="en-US"/>
               <a:t>Third level</a:t>
             </a:r>
           </a:p>
           <a:p>
             <a:pPr lvl="3"/>
             <a:r>
-              <a:rPr lang="en-US" smtClean="0"/>
+              <a:rPr lang="en-US"/>
               <a:t>Fourth level</a:t>
             </a:r>
           </a:p>
           <a:p>
             <a:pPr lvl="4"/>
             <a:r>
-              <a:rPr lang="en-US" smtClean="0"/>
+              <a:rPr lang="en-US"/>
               <a:t>Fifth level</a:t>
             </a:r>
             <a:endParaRPr lang="en-US" dirty="0"/>
@@ -2073,7 +2073,7 @@
           <a:p>
             <a:pPr lvl="0"/>
             <a:r>
-              <a:rPr lang="en-US" smtClean="0"/>
+              <a:rPr lang="en-US"/>
               <a:t>Edit Master text styles</a:t>
             </a:r>
           </a:p>
@@ -2199,7 +2199,7 @@
           </a:lstStyle>
           <a:p>
             <a:r>
-              <a:rPr lang="en-US" smtClean="0"/>
+              <a:rPr lang="en-US"/>
               <a:t>Click to edit Master title style</a:t>
             </a:r>
             <a:endParaRPr lang="en-US" dirty="0"/>
@@ -2264,7 +2264,7 @@
           </a:lstStyle>
           <a:p>
             <a:r>
-              <a:rPr lang="en-US" smtClean="0"/>
+              <a:rPr lang="en-US"/>
               <a:t>Click icon to add picture</a:t>
             </a:r>
             <a:endParaRPr lang="en-US" dirty="0"/>
@@ -2330,7 +2330,7 @@
           <a:p>
             <a:pPr lvl="0"/>
             <a:r>
-              <a:rPr lang="en-US" smtClean="0"/>
+              <a:rPr lang="en-US"/>
               <a:t>Edit Master text styles</a:t>
             </a:r>
           </a:p>
@@ -2462,7 +2462,7 @@
           <a:lstStyle/>
           <a:p>
             <a:r>
-              <a:rPr lang="en-US" smtClean="0"/>
+              <a:rPr lang="en-US"/>
               <a:t>Click to edit Master title style</a:t>
             </a:r>
             <a:endParaRPr lang="en-US" dirty="0"/>
@@ -2496,35 +2496,35 @@
           <a:p>
             <a:pPr lvl="0"/>
             <a:r>
-              <a:rPr lang="en-US" smtClean="0"/>
+              <a:rPr lang="en-US"/>
               <a:t>Edit Master text styles</a:t>
             </a:r>
           </a:p>
           <a:p>
             <a:pPr lvl="1"/>
             <a:r>
-              <a:rPr lang="en-US" smtClean="0"/>
+              <a:rPr lang="en-US"/>
               <a:t>Second level</a:t>
             </a:r>
           </a:p>
           <a:p>
             <a:pPr lvl="2"/>
             <a:r>
-              <a:rPr lang="en-US" smtClean="0"/>
+              <a:rPr lang="en-US"/>
               <a:t>Third level</a:t>
             </a:r>
           </a:p>
           <a:p>
             <a:pPr lvl="3"/>
             <a:r>
-              <a:rPr lang="en-US" smtClean="0"/>
+              <a:rPr lang="en-US"/>
               <a:t>Fourth level</a:t>
             </a:r>
           </a:p>
           <a:p>
             <a:pPr lvl="4"/>
             <a:r>
-              <a:rPr lang="en-US" smtClean="0"/>
+              <a:rPr lang="en-US"/>
               <a:t>Fifth level</a:t>
             </a:r>
             <a:endParaRPr lang="en-US" dirty="0"/>
@@ -3049,7 +3049,7 @@
               </a:spcAft>
             </a:pPr>
             <a:r>
-              <a:rPr lang="en-US" altLang="fr-FR" sz="1400" b="1" dirty="0" smtClean="0">
+              <a:rPr lang="en-US" altLang="fr-FR" sz="1400" b="1" dirty="0">
                 <a:solidFill>
                   <a:schemeClr val="bg1"/>
                 </a:solidFill>
@@ -3057,12 +3057,6 @@
               </a:rPr>
               <a:t>[verse]</a:t>
             </a:r>
-            <a:endParaRPr lang="en-US" altLang="fr-FR" sz="1400" b="1" dirty="0">
-              <a:solidFill>
-                <a:schemeClr val="bg1"/>
-              </a:solidFill>
-              <a:latin typeface="Arial" panose="020B0604020202020204" pitchFamily="34" charset="0"/>
-            </a:endParaRPr>
           </a:p>
           <a:p>
             <a:pPr lvl="0" defTabSz="914400" eaLnBrk="0" fontAlgn="base" hangingPunct="0">
@@ -3156,16 +3150,7 @@
                 </a:solidFill>
                 <a:latin typeface="Arial" panose="020B0604020202020204" pitchFamily="34" charset="0"/>
               </a:rPr>
-              <a:t>To fix my mind, I need </a:t>
-            </a:r>
-            <a:r>
-              <a:rPr lang="en-US" altLang="fr-FR" sz="1400" b="1" dirty="0" smtClean="0">
-                <a:solidFill>
-                  <a:schemeClr val="bg1"/>
-                </a:solidFill>
-                <a:latin typeface="Arial" panose="020B0604020202020204" pitchFamily="34" charset="0"/>
-              </a:rPr>
-              <a:t>time</a:t>
+              <a:t>To fix my mind, I need time</a:t>
             </a:r>
           </a:p>
           <a:p>
@@ -3194,7 +3179,7 @@
               </a:spcAft>
             </a:pPr>
             <a:r>
-              <a:rPr lang="en-US" altLang="fr-FR" sz="1400" b="1" dirty="0" smtClean="0">
+              <a:rPr lang="en-US" altLang="fr-FR" sz="1400" b="1" dirty="0">
                 <a:solidFill>
                   <a:schemeClr val="bg1"/>
                 </a:solidFill>
@@ -3202,6 +3187,71 @@
               </a:rPr>
               <a:t>[pre-chorus]</a:t>
             </a:r>
+          </a:p>
+          <a:p>
+            <a:pPr lvl="0" defTabSz="914400" eaLnBrk="0" fontAlgn="base" hangingPunct="0">
+              <a:spcBef>
+                <a:spcPct val="0"/>
+              </a:spcBef>
+              <a:spcAft>
+                <a:spcPct val="0"/>
+              </a:spcAft>
+            </a:pPr>
+            <a:r>
+              <a:rPr lang="en-US" altLang="fr-FR" sz="1400" b="1" dirty="0">
+                <a:solidFill>
+                  <a:schemeClr val="bg1"/>
+                </a:solidFill>
+                <a:latin typeface="Arial" panose="020B0604020202020204" pitchFamily="34" charset="0"/>
+              </a:rPr>
+              <a:t>But it′s </a:t>
+            </a:r>
+            <a:r>
+              <a:rPr lang="en-US" altLang="fr-FR" sz="1400" b="1" dirty="0" err="1">
+                <a:solidFill>
+                  <a:schemeClr val="bg1"/>
+                </a:solidFill>
+                <a:latin typeface="Arial" panose="020B0604020202020204" pitchFamily="34" charset="0"/>
+              </a:rPr>
+              <a:t>runnin</a:t>
+            </a:r>
+            <a:r>
+              <a:rPr lang="en-US" altLang="fr-FR" sz="1400" b="1" dirty="0">
+                <a:solidFill>
+                  <a:schemeClr val="bg1"/>
+                </a:solidFill>
+                <a:latin typeface="Arial" panose="020B0604020202020204" pitchFamily="34" charset="0"/>
+              </a:rPr>
+              <a:t>' out, it′s </a:t>
+            </a:r>
+            <a:r>
+              <a:rPr lang="en-US" altLang="fr-FR" sz="1400" b="1" dirty="0" err="1">
+                <a:solidFill>
+                  <a:schemeClr val="bg1"/>
+                </a:solidFill>
+                <a:latin typeface="Arial" panose="020B0604020202020204" pitchFamily="34" charset="0"/>
+              </a:rPr>
+              <a:t>runnin</a:t>
+            </a:r>
+            <a:r>
+              <a:rPr lang="en-US" altLang="fr-FR" sz="1400" b="1" dirty="0">
+                <a:solidFill>
+                  <a:schemeClr val="bg1"/>
+                </a:solidFill>
+                <a:latin typeface="Arial" panose="020B0604020202020204" pitchFamily="34" charset="0"/>
+              </a:rPr>
+              <a:t>' out</a:t>
+            </a:r>
+          </a:p>
+          <a:p>
+            <a:pPr lvl="0" defTabSz="914400" eaLnBrk="0" fontAlgn="base" hangingPunct="0">
+              <a:spcBef>
+                <a:spcPct val="0"/>
+              </a:spcBef>
+              <a:spcAft>
+                <a:spcPct val="0"/>
+              </a:spcAft>
+            </a:pPr>
             <a:endParaRPr lang="en-US" altLang="fr-FR" sz="1400" b="1" dirty="0">
               <a:solidFill>
                 <a:schemeClr val="bg1"/>
@@ -3225,17 +3275,37 @@
                 </a:solidFill>
                 <a:latin typeface="Arial" panose="020B0604020202020204" pitchFamily="34" charset="0"/>
               </a:rPr>
-              <a:t>But it′s </a:t>
-            </a:r>
-            <a:r>
-              <a:rPr lang="en-US" altLang="fr-FR" sz="1400" b="1" dirty="0" err="1">
+              <a:t>[chorus]</a:t>
+            </a:r>
+          </a:p>
+          <a:p>
+            <a:pPr lvl="0" defTabSz="914400" eaLnBrk="0" fontAlgn="base" hangingPunct="0">
+              <a:spcBef>
+                <a:spcPct val="0"/>
+              </a:spcBef>
+              <a:spcAft>
+                <a:spcPct val="0"/>
+              </a:spcAft>
+            </a:pPr>
+            <a:r>
+              <a:rPr lang="en-US" altLang="fr-FR" sz="1400" b="1" dirty="0">
                 <a:solidFill>
                   <a:schemeClr val="bg1"/>
                 </a:solidFill>
                 <a:latin typeface="Arial" panose="020B0604020202020204" pitchFamily="34" charset="0"/>
               </a:rPr>
-              <a:t>runnin</a:t>
-            </a:r>
+              <a:t>Oh, I know that I can't live without you</a:t>
+            </a:r>
+          </a:p>
+          <a:p>
+            <a:pPr lvl="0" defTabSz="914400" eaLnBrk="0" fontAlgn="base" hangingPunct="0">
+              <a:spcBef>
+                <a:spcPct val="0"/>
+              </a:spcBef>
+              <a:spcAft>
+                <a:spcPct val="0"/>
+              </a:spcAft>
+            </a:pPr>
             <a:r>
               <a:rPr lang="en-US" altLang="fr-FR" sz="1400" b="1" dirty="0">
                 <a:solidFill>
@@ -3243,17 +3313,37 @@
                 </a:solidFill>
                 <a:latin typeface="Arial" panose="020B0604020202020204" pitchFamily="34" charset="0"/>
               </a:rPr>
-              <a:t>' out, it′s </a:t>
-            </a:r>
-            <a:r>
-              <a:rPr lang="en-US" altLang="fr-FR" sz="1400" b="1" dirty="0" err="1">
+              <a:t>But this world will keep turning if you do</a:t>
+            </a:r>
+          </a:p>
+          <a:p>
+            <a:pPr lvl="0" defTabSz="914400" eaLnBrk="0" fontAlgn="base" hangingPunct="0">
+              <a:spcBef>
+                <a:spcPct val="0"/>
+              </a:spcBef>
+              <a:spcAft>
+                <a:spcPct val="0"/>
+              </a:spcAft>
+            </a:pPr>
+            <a:r>
+              <a:rPr lang="en-US" altLang="fr-FR" sz="1400" b="1" dirty="0">
                 <a:solidFill>
                   <a:schemeClr val="bg1"/>
                 </a:solidFill>
                 <a:latin typeface="Arial" panose="020B0604020202020204" pitchFamily="34" charset="0"/>
               </a:rPr>
-              <a:t>runnin</a:t>
-            </a:r>
+              <a:t>Would you even want me looking like a zombie?</a:t>
+            </a:r>
+          </a:p>
+          <a:p>
+            <a:pPr lvl="0" defTabSz="914400" eaLnBrk="0" fontAlgn="base" hangingPunct="0">
+              <a:spcBef>
+                <a:spcPct val="0"/>
+              </a:spcBef>
+              <a:spcAft>
+                <a:spcPct val="0"/>
+              </a:spcAft>
+            </a:pPr>
             <a:r>
               <a:rPr lang="en-US" altLang="fr-FR" sz="1400" b="1" dirty="0">
                 <a:solidFill>
@@ -3261,7 +3351,7 @@
                 </a:solidFill>
                 <a:latin typeface="Arial" panose="020B0604020202020204" pitchFamily="34" charset="0"/>
               </a:rPr>
-              <a:t>' out</a:t>
+              <a:t>Would you even want me, want me, want me?</a:t>
             </a:r>
           </a:p>
           <a:p>
@@ -3273,31 +3363,6 @@
                 <a:spcPct val="0"/>
               </a:spcAft>
             </a:pPr>
-            <a:endParaRPr lang="en-US" altLang="fr-FR" sz="1400" b="1" dirty="0" smtClean="0">
-              <a:solidFill>
-                <a:schemeClr val="bg1"/>
-              </a:solidFill>
-              <a:latin typeface="Arial" panose="020B0604020202020204" pitchFamily="34" charset="0"/>
-            </a:endParaRPr>
-          </a:p>
-          <a:p>
-            <a:pPr lvl="0" defTabSz="914400" eaLnBrk="0" fontAlgn="base" hangingPunct="0">
-              <a:spcBef>
-                <a:spcPct val="0"/>
-              </a:spcBef>
-              <a:spcAft>
-                <a:spcPct val="0"/>
-              </a:spcAft>
-            </a:pPr>
-            <a:r>
-              <a:rPr lang="en-US" altLang="fr-FR" sz="1400" b="1" dirty="0" smtClean="0">
-                <a:solidFill>
-                  <a:schemeClr val="bg1"/>
-                </a:solidFill>
-                <a:latin typeface="Arial" panose="020B0604020202020204" pitchFamily="34" charset="0"/>
-              </a:rPr>
-              <a:t>[chorus]</a:t>
-            </a:r>
             <a:endParaRPr lang="en-US" altLang="fr-FR" sz="1400" b="1" dirty="0">
               <a:solidFill>
                 <a:schemeClr val="bg1"/>
@@ -3321,7 +3386,7 @@
                 </a:solidFill>
                 <a:latin typeface="Arial" panose="020B0604020202020204" pitchFamily="34" charset="0"/>
               </a:rPr>
-              <a:t>Oh, I know that I can't live without you</a:t>
+              <a:t>[verse]</a:t>
             </a:r>
           </a:p>
           <a:p>
@@ -3340,7 +3405,7 @@
                 </a:solidFill>
                 <a:latin typeface="Arial" panose="020B0604020202020204" pitchFamily="34" charset="0"/>
               </a:rPr>
-              <a:t>But this world will keep turning if you do</a:t>
+              <a:t>We could catch a spaceship to the moon</a:t>
             </a:r>
           </a:p>
           <a:p>
@@ -3359,7 +3424,7 @@
                 </a:solidFill>
                 <a:latin typeface="Arial" panose="020B0604020202020204" pitchFamily="34" charset="0"/>
               </a:rPr>
-              <a:t>Would you even want me looking like a zombie?</a:t>
+              <a:t>But we′d crash, it wouldn′t last</a:t>
             </a:r>
           </a:p>
           <a:p>
@@ -3378,7 +3443,7 @@
                 </a:solidFill>
                 <a:latin typeface="Arial" panose="020B0604020202020204" pitchFamily="34" charset="0"/>
               </a:rPr>
-              <a:t>Would you even want me, want me, want me?</a:t>
+              <a:t>Because the world is just a figment of the fools</a:t>
             </a:r>
           </a:p>
           <a:p>
@@ -3390,12 +3455,15 @@
                 <a:spcPct val="0"/>
               </a:spcAft>
             </a:pPr>
-            <a:endParaRPr lang="en-US" altLang="fr-FR" sz="1400" b="1" dirty="0" smtClean="0">
-              <a:solidFill>
-                <a:schemeClr val="bg1"/>
-              </a:solidFill>
-              <a:latin typeface="Arial" panose="020B0604020202020204" pitchFamily="34" charset="0"/>
-            </a:endParaRPr>
+            <a:r>
+              <a:rPr lang="en-US" altLang="fr-FR" sz="1400" b="1" dirty="0">
+                <a:solidFill>
+                  <a:schemeClr val="bg1"/>
+                </a:solidFill>
+                <a:latin typeface="Arial" panose="020B0604020202020204" pitchFamily="34" charset="0"/>
+              </a:rPr>
+              <a:t>A blank stare, they don't care</a:t>
+            </a:r>
           </a:p>
           <a:p>
             <a:pPr lvl="0" defTabSz="914400" eaLnBrk="0" fontAlgn="base" hangingPunct="0">
@@ -3407,14 +3475,24 @@
               </a:spcAft>
             </a:pPr>
             <a:r>
-              <a:rPr lang="en-US" altLang="fr-FR" sz="1400" b="1" dirty="0" smtClean="0">
+              <a:rPr lang="en-US" altLang="fr-FR" sz="1400" b="1" dirty="0">
                 <a:solidFill>
                   <a:schemeClr val="bg1"/>
                 </a:solidFill>
                 <a:latin typeface="Arial" panose="020B0604020202020204" pitchFamily="34" charset="0"/>
               </a:rPr>
-              <a:t>[verse]</a:t>
-            </a:r>
+              <a:t>So say your prayers, you′re almost there</a:t>
+            </a:r>
+          </a:p>
+          <a:p>
+            <a:pPr lvl="0" defTabSz="914400" eaLnBrk="0" fontAlgn="base" hangingPunct="0">
+              <a:spcBef>
+                <a:spcPct val="0"/>
+              </a:spcBef>
+              <a:spcAft>
+                <a:spcPct val="0"/>
+              </a:spcAft>
+            </a:pPr>
             <a:endParaRPr lang="en-US" altLang="fr-FR" sz="1400" b="1" dirty="0">
               <a:solidFill>
                 <a:schemeClr val="bg1"/>
@@ -3438,7 +3516,7 @@
                 </a:solidFill>
                 <a:latin typeface="Arial" panose="020B0604020202020204" pitchFamily="34" charset="0"/>
               </a:rPr>
-              <a:t>We could catch a spaceship to the moon</a:t>
+              <a:t>[pre-chorus]</a:t>
             </a:r>
           </a:p>
           <a:p>
@@ -3457,7 +3535,43 @@
                 </a:solidFill>
                 <a:latin typeface="Arial" panose="020B0604020202020204" pitchFamily="34" charset="0"/>
               </a:rPr>
-              <a:t>But we′d crash, it wouldn′t last</a:t>
+              <a:t>But it's </a:t>
+            </a:r>
+            <a:r>
+              <a:rPr lang="en-US" altLang="fr-FR" sz="1400" b="1" dirty="0" err="1">
+                <a:solidFill>
+                  <a:schemeClr val="bg1"/>
+                </a:solidFill>
+                <a:latin typeface="Arial" panose="020B0604020202020204" pitchFamily="34" charset="0"/>
+              </a:rPr>
+              <a:t>runnin</a:t>
+            </a:r>
+            <a:r>
+              <a:rPr lang="en-US" altLang="fr-FR" sz="1400" b="1" dirty="0">
+                <a:solidFill>
+                  <a:schemeClr val="bg1"/>
+                </a:solidFill>
+                <a:latin typeface="Arial" panose="020B0604020202020204" pitchFamily="34" charset="0"/>
+              </a:rPr>
+              <a:t>′ out, it's </a:t>
+            </a:r>
+            <a:r>
+              <a:rPr lang="en-US" altLang="fr-FR" sz="1400" b="1" dirty="0" err="1">
+                <a:solidFill>
+                  <a:schemeClr val="bg1"/>
+                </a:solidFill>
+                <a:latin typeface="Arial" panose="020B0604020202020204" pitchFamily="34" charset="0"/>
+              </a:rPr>
+              <a:t>runnin</a:t>
+            </a:r>
+            <a:r>
+              <a:rPr lang="en-US" altLang="fr-FR" sz="1400" b="1" dirty="0">
+                <a:solidFill>
+                  <a:schemeClr val="bg1"/>
+                </a:solidFill>
+                <a:latin typeface="Arial" panose="020B0604020202020204" pitchFamily="34" charset="0"/>
+              </a:rPr>
+              <a:t>′ out</a:t>
             </a:r>
           </a:p>
           <a:p>
@@ -3469,88 +3583,6 @@
                 <a:spcPct val="0"/>
               </a:spcAft>
             </a:pPr>
-            <a:r>
-              <a:rPr lang="en-US" altLang="fr-FR" sz="1400" b="1" dirty="0">
-                <a:solidFill>
-                  <a:schemeClr val="bg1"/>
-                </a:solidFill>
-                <a:latin typeface="Arial" panose="020B0604020202020204" pitchFamily="34" charset="0"/>
-              </a:rPr>
-              <a:t>Because the world is just a figment of the fools</a:t>
-            </a:r>
-          </a:p>
-          <a:p>
-            <a:pPr lvl="0" defTabSz="914400" eaLnBrk="0" fontAlgn="base" hangingPunct="0">
-              <a:spcBef>
-                <a:spcPct val="0"/>
-              </a:spcBef>
-              <a:spcAft>
-                <a:spcPct val="0"/>
-              </a:spcAft>
-            </a:pPr>
-            <a:r>
-              <a:rPr lang="en-US" altLang="fr-FR" sz="1400" b="1" dirty="0">
-                <a:solidFill>
-                  <a:schemeClr val="bg1"/>
-                </a:solidFill>
-                <a:latin typeface="Arial" panose="020B0604020202020204" pitchFamily="34" charset="0"/>
-              </a:rPr>
-              <a:t>A blank stare, they don't care</a:t>
-            </a:r>
-          </a:p>
-          <a:p>
-            <a:pPr lvl="0" defTabSz="914400" eaLnBrk="0" fontAlgn="base" hangingPunct="0">
-              <a:spcBef>
-                <a:spcPct val="0"/>
-              </a:spcBef>
-              <a:spcAft>
-                <a:spcPct val="0"/>
-              </a:spcAft>
-            </a:pPr>
-            <a:r>
-              <a:rPr lang="en-US" altLang="fr-FR" sz="1400" b="1" dirty="0">
-                <a:solidFill>
-                  <a:schemeClr val="bg1"/>
-                </a:solidFill>
-                <a:latin typeface="Arial" panose="020B0604020202020204" pitchFamily="34" charset="0"/>
-              </a:rPr>
-              <a:t>So say your prayers, you′re almost there</a:t>
-            </a:r>
-          </a:p>
-          <a:p>
-            <a:pPr lvl="0" defTabSz="914400" eaLnBrk="0" fontAlgn="base" hangingPunct="0">
-              <a:spcBef>
-                <a:spcPct val="0"/>
-              </a:spcBef>
-              <a:spcAft>
-                <a:spcPct val="0"/>
-              </a:spcAft>
-            </a:pPr>
-            <a:endParaRPr lang="en-US" altLang="fr-FR" sz="1400" b="1" dirty="0" smtClean="0">
-              <a:solidFill>
-                <a:schemeClr val="bg1"/>
-              </a:solidFill>
-              <a:latin typeface="Arial" panose="020B0604020202020204" pitchFamily="34" charset="0"/>
-            </a:endParaRPr>
-          </a:p>
-          <a:p>
-            <a:pPr lvl="0" defTabSz="914400" eaLnBrk="0" fontAlgn="base" hangingPunct="0">
-              <a:spcBef>
-                <a:spcPct val="0"/>
-              </a:spcBef>
-              <a:spcAft>
-                <a:spcPct val="0"/>
-              </a:spcAft>
-            </a:pPr>
-            <a:r>
-              <a:rPr lang="en-US" altLang="fr-FR" sz="1400" b="1" dirty="0" smtClean="0">
-                <a:solidFill>
-                  <a:schemeClr val="bg1"/>
-                </a:solidFill>
-                <a:latin typeface="Arial" panose="020B0604020202020204" pitchFamily="34" charset="0"/>
-              </a:rPr>
-              <a:t>[pre-chorus]</a:t>
-            </a:r>
             <a:endParaRPr lang="en-US" altLang="fr-FR" sz="1400" b="1" dirty="0">
               <a:solidFill>
                 <a:schemeClr val="bg1"/>
@@ -3574,17 +3606,37 @@
                 </a:solidFill>
                 <a:latin typeface="Arial" panose="020B0604020202020204" pitchFamily="34" charset="0"/>
               </a:rPr>
-              <a:t>But it's </a:t>
-            </a:r>
-            <a:r>
-              <a:rPr lang="en-US" altLang="fr-FR" sz="1400" b="1" dirty="0" err="1">
+              <a:t>[chorus]</a:t>
+            </a:r>
+          </a:p>
+          <a:p>
+            <a:pPr lvl="0" defTabSz="914400" eaLnBrk="0" fontAlgn="base" hangingPunct="0">
+              <a:spcBef>
+                <a:spcPct val="0"/>
+              </a:spcBef>
+              <a:spcAft>
+                <a:spcPct val="0"/>
+              </a:spcAft>
+            </a:pPr>
+            <a:r>
+              <a:rPr lang="en-US" altLang="fr-FR" sz="1400" b="1" dirty="0">
                 <a:solidFill>
                   <a:schemeClr val="bg1"/>
                 </a:solidFill>
                 <a:latin typeface="Arial" panose="020B0604020202020204" pitchFamily="34" charset="0"/>
               </a:rPr>
-              <a:t>runnin</a:t>
-            </a:r>
+              <a:t>Oh, I know that I can't live without you</a:t>
+            </a:r>
+          </a:p>
+          <a:p>
+            <a:pPr lvl="0" defTabSz="914400" eaLnBrk="0" fontAlgn="base" hangingPunct="0">
+              <a:spcBef>
+                <a:spcPct val="0"/>
+              </a:spcBef>
+              <a:spcAft>
+                <a:spcPct val="0"/>
+              </a:spcAft>
+            </a:pPr>
             <a:r>
               <a:rPr lang="en-US" altLang="fr-FR" sz="1400" b="1" dirty="0">
                 <a:solidFill>
@@ -3592,17 +3644,37 @@
                 </a:solidFill>
                 <a:latin typeface="Arial" panose="020B0604020202020204" pitchFamily="34" charset="0"/>
               </a:rPr>
-              <a:t>′ out, it's </a:t>
-            </a:r>
-            <a:r>
-              <a:rPr lang="en-US" altLang="fr-FR" sz="1400" b="1" dirty="0" err="1">
+              <a:t>But this world will keep turning if you do</a:t>
+            </a:r>
+          </a:p>
+          <a:p>
+            <a:pPr lvl="0" defTabSz="914400" eaLnBrk="0" fontAlgn="base" hangingPunct="0">
+              <a:spcBef>
+                <a:spcPct val="0"/>
+              </a:spcBef>
+              <a:spcAft>
+                <a:spcPct val="0"/>
+              </a:spcAft>
+            </a:pPr>
+            <a:r>
+              <a:rPr lang="en-US" altLang="fr-FR" sz="1400" b="1" dirty="0">
                 <a:solidFill>
                   <a:schemeClr val="bg1"/>
                 </a:solidFill>
                 <a:latin typeface="Arial" panose="020B0604020202020204" pitchFamily="34" charset="0"/>
               </a:rPr>
-              <a:t>runnin</a:t>
-            </a:r>
+              <a:t>Would you even want me looking like a zombie?</a:t>
+            </a:r>
+          </a:p>
+          <a:p>
+            <a:pPr lvl="0" defTabSz="914400" eaLnBrk="0" fontAlgn="base" hangingPunct="0">
+              <a:spcBef>
+                <a:spcPct val="0"/>
+              </a:spcBef>
+              <a:spcAft>
+                <a:spcPct val="0"/>
+              </a:spcAft>
+            </a:pPr>
             <a:r>
               <a:rPr lang="en-US" altLang="fr-FR" sz="1400" b="1" dirty="0">
                 <a:solidFill>
@@ -3610,7 +3682,7 @@
                 </a:solidFill>
                 <a:latin typeface="Arial" panose="020B0604020202020204" pitchFamily="34" charset="0"/>
               </a:rPr>
-              <a:t>′ out</a:t>
+              <a:t>Would you even want me, want me, want me?</a:t>
             </a:r>
           </a:p>
           <a:p>
@@ -3622,12 +3694,15 @@
                 <a:spcPct val="0"/>
               </a:spcAft>
             </a:pPr>
-            <a:endParaRPr lang="en-US" altLang="fr-FR" sz="1400" b="1" dirty="0" smtClean="0">
-              <a:solidFill>
-                <a:schemeClr val="bg1"/>
-              </a:solidFill>
-              <a:latin typeface="Arial" panose="020B0604020202020204" pitchFamily="34" charset="0"/>
-            </a:endParaRPr>
+            <a:r>
+              <a:rPr lang="en-US" altLang="fr-FR" sz="1400" b="1" dirty="0">
+                <a:solidFill>
+                  <a:schemeClr val="bg1"/>
+                </a:solidFill>
+                <a:latin typeface="Arial" panose="020B0604020202020204" pitchFamily="34" charset="0"/>
+              </a:rPr>
+              <a:t>Would you even want me looking like a zombie?</a:t>
+            </a:r>
           </a:p>
           <a:p>
             <a:pPr lvl="0" defTabSz="914400" eaLnBrk="0" fontAlgn="base" hangingPunct="0">
@@ -3639,14 +3714,24 @@
               </a:spcAft>
             </a:pPr>
             <a:r>
-              <a:rPr lang="en-US" altLang="fr-FR" sz="1400" b="1" dirty="0" smtClean="0">
+              <a:rPr lang="en-US" altLang="fr-FR" sz="1400" b="1" dirty="0">
                 <a:solidFill>
                   <a:schemeClr val="bg1"/>
                 </a:solidFill>
                 <a:latin typeface="Arial" panose="020B0604020202020204" pitchFamily="34" charset="0"/>
               </a:rPr>
-              <a:t>[chorus]</a:t>
-            </a:r>
+              <a:t>Would you even want me, want me, want me?</a:t>
+            </a:r>
+          </a:p>
+          <a:p>
+            <a:pPr lvl="0" defTabSz="914400" eaLnBrk="0" fontAlgn="base" hangingPunct="0">
+              <a:spcBef>
+                <a:spcPct val="0"/>
+              </a:spcBef>
+              <a:spcAft>
+                <a:spcPct val="0"/>
+              </a:spcAft>
+            </a:pPr>
             <a:endParaRPr lang="en-US" altLang="fr-FR" sz="1400" b="1" dirty="0">
               <a:solidFill>
                 <a:schemeClr val="bg1"/>
@@ -3670,7 +3755,7 @@
                 </a:solidFill>
                 <a:latin typeface="Arial" panose="020B0604020202020204" pitchFamily="34" charset="0"/>
               </a:rPr>
-              <a:t>Oh, I know that I can't live without you</a:t>
+              <a:t>[outro]</a:t>
             </a:r>
           </a:p>
           <a:p>
@@ -3689,7 +3774,26 @@
                 </a:solidFill>
                 <a:latin typeface="Arial" panose="020B0604020202020204" pitchFamily="34" charset="0"/>
               </a:rPr>
-              <a:t>But this world will keep turning if you do</a:t>
+              <a:t>Oh, I don't know what I′ll turn out to be</a:t>
+            </a:r>
+          </a:p>
+          <a:p>
+            <a:pPr lvl="0" defTabSz="914400" eaLnBrk="0" fontAlgn="base" hangingPunct="0">
+              <a:spcBef>
+                <a:spcPct val="0"/>
+              </a:spcBef>
+              <a:spcAft>
+                <a:spcPct val="0"/>
+              </a:spcAft>
+            </a:pPr>
+            <a:r>
+              <a:rPr lang="en-US" altLang="fr-FR" sz="1400" b="1" dirty="0">
+                <a:solidFill>
+                  <a:schemeClr val="bg1"/>
+                </a:solidFill>
+                <a:latin typeface="Arial" panose="020B0604020202020204" pitchFamily="34" charset="0"/>
+              </a:rPr>
+              <a:t>But you′ll own every moment, believe me</a:t>
             </a:r>
           </a:p>
           <a:p>
@@ -3729,162 +3833,7 @@
               </a:rPr>
               <a:t>Would you even want me, want me, want me?</a:t>
             </a:r>
-          </a:p>
-          <a:p>
-            <a:pPr lvl="0" defTabSz="914400" eaLnBrk="0" fontAlgn="base" hangingPunct="0">
-              <a:spcBef>
-                <a:spcPct val="0"/>
-              </a:spcBef>
-              <a:spcAft>
-                <a:spcPct val="0"/>
-              </a:spcAft>
-            </a:pPr>
-            <a:r>
-              <a:rPr lang="en-US" altLang="fr-FR" sz="1400" b="1" dirty="0">
-                <a:solidFill>
-                  <a:schemeClr val="bg1"/>
-                </a:solidFill>
-                <a:latin typeface="Arial" panose="020B0604020202020204" pitchFamily="34" charset="0"/>
-              </a:rPr>
-              <a:t>Would you even want me looking like a zombie?</a:t>
-            </a:r>
-          </a:p>
-          <a:p>
-            <a:pPr lvl="0" defTabSz="914400" eaLnBrk="0" fontAlgn="base" hangingPunct="0">
-              <a:spcBef>
-                <a:spcPct val="0"/>
-              </a:spcBef>
-              <a:spcAft>
-                <a:spcPct val="0"/>
-              </a:spcAft>
-            </a:pPr>
-            <a:r>
-              <a:rPr lang="en-US" altLang="fr-FR" sz="1400" b="1" dirty="0">
-                <a:solidFill>
-                  <a:schemeClr val="bg1"/>
-                </a:solidFill>
-                <a:latin typeface="Arial" panose="020B0604020202020204" pitchFamily="34" charset="0"/>
-              </a:rPr>
-              <a:t>Would you even want me, want me, want me?</a:t>
-            </a:r>
-          </a:p>
-          <a:p>
-            <a:pPr lvl="0" defTabSz="914400" eaLnBrk="0" fontAlgn="base" hangingPunct="0">
-              <a:spcBef>
-                <a:spcPct val="0"/>
-              </a:spcBef>
-              <a:spcAft>
-                <a:spcPct val="0"/>
-              </a:spcAft>
-            </a:pPr>
-            <a:endParaRPr lang="en-US" altLang="fr-FR" sz="1400" b="1" dirty="0" smtClean="0">
-              <a:solidFill>
-                <a:schemeClr val="bg1"/>
-              </a:solidFill>
-              <a:latin typeface="Arial" panose="020B0604020202020204" pitchFamily="34" charset="0"/>
-            </a:endParaRPr>
-          </a:p>
-          <a:p>
-            <a:pPr lvl="0" defTabSz="914400" eaLnBrk="0" fontAlgn="base" hangingPunct="0">
-              <a:spcBef>
-                <a:spcPct val="0"/>
-              </a:spcBef>
-              <a:spcAft>
-                <a:spcPct val="0"/>
-              </a:spcAft>
-            </a:pPr>
-            <a:r>
-              <a:rPr lang="en-US" altLang="fr-FR" sz="1400" b="1" smtClean="0">
-                <a:solidFill>
-                  <a:schemeClr val="bg1"/>
-                </a:solidFill>
-                <a:latin typeface="Arial" panose="020B0604020202020204" pitchFamily="34" charset="0"/>
-              </a:rPr>
-              <a:t>[outro]</a:t>
-            </a:r>
-            <a:endParaRPr lang="en-US" altLang="fr-FR" sz="1400" b="1" dirty="0">
-              <a:solidFill>
-                <a:schemeClr val="bg1"/>
-              </a:solidFill>
-              <a:latin typeface="Arial" panose="020B0604020202020204" pitchFamily="34" charset="0"/>
-            </a:endParaRPr>
-          </a:p>
-          <a:p>
-            <a:pPr lvl="0" defTabSz="914400" eaLnBrk="0" fontAlgn="base" hangingPunct="0">
-              <a:spcBef>
-                <a:spcPct val="0"/>
-              </a:spcBef>
-              <a:spcAft>
-                <a:spcPct val="0"/>
-              </a:spcAft>
-            </a:pPr>
-            <a:r>
-              <a:rPr lang="en-US" altLang="fr-FR" sz="1400" b="1" dirty="0">
-                <a:solidFill>
-                  <a:schemeClr val="bg1"/>
-                </a:solidFill>
-                <a:latin typeface="Arial" panose="020B0604020202020204" pitchFamily="34" charset="0"/>
-              </a:rPr>
-              <a:t>Oh, I don't know what I′ll turn out to be</a:t>
-            </a:r>
-          </a:p>
-          <a:p>
-            <a:pPr lvl="0" defTabSz="914400" eaLnBrk="0" fontAlgn="base" hangingPunct="0">
-              <a:spcBef>
-                <a:spcPct val="0"/>
-              </a:spcBef>
-              <a:spcAft>
-                <a:spcPct val="0"/>
-              </a:spcAft>
-            </a:pPr>
-            <a:r>
-              <a:rPr lang="en-US" altLang="fr-FR" sz="1400" b="1" dirty="0">
-                <a:solidFill>
-                  <a:schemeClr val="bg1"/>
-                </a:solidFill>
-                <a:latin typeface="Arial" panose="020B0604020202020204" pitchFamily="34" charset="0"/>
-              </a:rPr>
-              <a:t>But you′ll own every moment, believe me</a:t>
-            </a:r>
-          </a:p>
-          <a:p>
-            <a:pPr lvl="0" defTabSz="914400" eaLnBrk="0" fontAlgn="base" hangingPunct="0">
-              <a:spcBef>
-                <a:spcPct val="0"/>
-              </a:spcBef>
-              <a:spcAft>
-                <a:spcPct val="0"/>
-              </a:spcAft>
-            </a:pPr>
-            <a:r>
-              <a:rPr lang="en-US" altLang="fr-FR" sz="1400" b="1" dirty="0">
-                <a:solidFill>
-                  <a:schemeClr val="bg1"/>
-                </a:solidFill>
-                <a:latin typeface="Arial" panose="020B0604020202020204" pitchFamily="34" charset="0"/>
-              </a:rPr>
-              <a:t>Would you even want me looking like a zombie?</a:t>
-            </a:r>
-          </a:p>
-          <a:p>
-            <a:pPr lvl="0" defTabSz="914400" eaLnBrk="0" fontAlgn="base" hangingPunct="0">
-              <a:spcBef>
-                <a:spcPct val="0"/>
-              </a:spcBef>
-              <a:spcAft>
-                <a:spcPct val="0"/>
-              </a:spcAft>
-            </a:pPr>
-            <a:r>
-              <a:rPr lang="en-US" altLang="fr-FR" sz="1400" b="1" dirty="0">
-                <a:solidFill>
-                  <a:schemeClr val="bg1"/>
-                </a:solidFill>
-                <a:latin typeface="Arial" panose="020B0604020202020204" pitchFamily="34" charset="0"/>
-              </a:rPr>
-              <a:t>Would you even want me, want me, want me?</a:t>
-            </a:r>
-            <a:endParaRPr kumimoji="0" lang="en-US" altLang="fr-FR" sz="1400" b="1" i="0" u="none" strike="noStrike" cap="none" normalizeH="0" baseline="0" dirty="0" smtClean="0">
+            <a:endParaRPr kumimoji="0" lang="en-US" altLang="fr-FR" sz="1400" b="1" i="0" u="none" strike="noStrike" cap="none" normalizeH="0" baseline="0" dirty="0">
               <a:ln>
                 <a:noFill/>
               </a:ln>
@@ -3907,13 +3856,6 @@
   <p:clrMapOvr>
     <a:masterClrMapping/>
   </p:clrMapOvr>
-  <p:timing>
-    <p:tnLst>
-      <p:par>
-        <p:cTn id="1" dur="indefinite" restart="never" nodeType="tmRoot"/>
-      </p:par>
-    </p:tnLst>
-  </p:timing>
 </p:sld>
 </file>
 
